--- a/docs/Template-Presentation.pptx
+++ b/docs/Template-Presentation.pptx
@@ -3014,6 +3014,13 @@
   <p:clrMapOvr>
     <a:masterClrMapping/>
   </p:clrMapOvr>
+  <p:timing>
+    <p:tnLst>
+      <p:par>
+        <p:cTn id="1" dur="indefinite" restart="never" nodeType="tmRoot"/>
+      </p:par>
+    </p:tnLst>
+  </p:timing>
 </p:sld>
 </file>
 
@@ -3150,19 +3157,11 @@
             <a:pPr algn="ctr"/>
             <a:r>
               <a:rPr lang="en-US" b="1" u="sng" dirty="0" smtClean="0"/>
-              <a:t>virtual-</a:t>
-            </a:r>
-            <a:r>
-              <a:rPr lang="en-US" b="1" u="sng" dirty="0" smtClean="0"/>
-              <a:t>machine-deployment-</a:t>
+              <a:t>virtual-machine-deployment-</a:t>
             </a:r>
             <a:r>
               <a:rPr lang="en-US" b="1" u="sng" dirty="0" err="1" smtClean="0"/>
-              <a:t>singlenode</a:t>
-            </a:r>
-            <a:r>
-              <a:rPr lang="en-US" b="1" u="sng" dirty="0" err="1" smtClean="0"/>
-              <a:t>.json</a:t>
+              <a:t>singlenode.json</a:t>
             </a:r>
             <a:endParaRPr lang="en-US" b="1" u="sng" dirty="0" smtClean="0"/>
           </a:p>
@@ -3289,15 +3288,7 @@
                   <a:schemeClr val="accent2"/>
                 </a:solidFill>
               </a:rPr>
-              <a:t>Deploys </a:t>
-            </a:r>
-            <a:r>
-              <a:rPr lang="en-US" sz="1200" dirty="0" smtClean="0">
-                <a:solidFill>
-                  <a:schemeClr val="accent2"/>
-                </a:solidFill>
-              </a:rPr>
-              <a:t>multiple VM’s with password as authentication</a:t>
+              <a:t>Deploys multiple VM’s with password as authentication</a:t>
             </a:r>
             <a:endParaRPr lang="en-US" sz="1200" dirty="0">
               <a:solidFill>
@@ -3352,15 +3343,7 @@
                   <a:schemeClr val="accent2"/>
                 </a:solidFill>
               </a:rPr>
-              <a:t>sshkey.</a:t>
-            </a:r>
-            <a:r>
-              <a:rPr lang="en-US" b="1" u="sng" dirty="0" err="1" smtClean="0">
-                <a:solidFill>
-                  <a:schemeClr val="accent2"/>
-                </a:solidFill>
-              </a:rPr>
-              <a:t>json</a:t>
+              <a:t>sshkey.json</a:t>
             </a:r>
             <a:endParaRPr lang="en-US" b="1" u="sng" dirty="0" smtClean="0">
               <a:solidFill>
@@ -3487,11 +3470,6 @@
               </a:rPr>
               <a:t> extension on master node (ml0)</a:t>
             </a:r>
-            <a:endParaRPr lang="en-US" sz="1200" dirty="0" smtClean="0">
-              <a:solidFill>
-                <a:schemeClr val="accent1"/>
-              </a:solidFill>
-            </a:endParaRPr>
           </a:p>
         </p:txBody>
       </p:sp>
@@ -3545,21 +3523,8 @@
                   <a:schemeClr val="accent4"/>
                 </a:solidFill>
               </a:rPr>
-              <a:t>xtension-multi-index-0.</a:t>
-            </a:r>
-            <a:r>
-              <a:rPr lang="en-US" b="1" u="sng" dirty="0" smtClean="0">
-                <a:solidFill>
-                  <a:schemeClr val="accent4"/>
-                </a:solidFill>
-              </a:rPr>
-              <a:t>json</a:t>
-            </a:r>
-            <a:endParaRPr lang="en-US" b="1" u="sng" dirty="0" smtClean="0">
-              <a:solidFill>
-                <a:schemeClr val="accent4"/>
-              </a:solidFill>
-            </a:endParaRPr>
+              <a:t>xtension-multi-index-0.json</a:t>
+            </a:r>
           </a:p>
           <a:p>
             <a:pPr marL="285750" indent="-285750">
@@ -3741,11 +3706,6 @@
               </a:rPr>
               <a:t>Data disk mount script</a:t>
             </a:r>
-            <a:endParaRPr lang="en-US" sz="1200" dirty="0" smtClean="0">
-              <a:solidFill>
-                <a:schemeClr val="accent4"/>
-              </a:solidFill>
-            </a:endParaRPr>
           </a:p>
         </p:txBody>
       </p:sp>
@@ -3844,11 +3804,6 @@
               </a:rPr>
               <a:t> script on master node (ml0)</a:t>
             </a:r>
-            <a:endParaRPr lang="en-US" sz="1200" dirty="0" smtClean="0">
-              <a:solidFill>
-                <a:schemeClr val="accent1"/>
-              </a:solidFill>
-            </a:endParaRPr>
           </a:p>
         </p:txBody>
       </p:sp>
@@ -4103,6 +4058,13 @@
   <p:clrMapOvr>
     <a:masterClrMapping/>
   </p:clrMapOvr>
+  <p:timing>
+    <p:tnLst>
+      <p:par>
+        <p:cTn id="1" dur="indefinite" restart="never" nodeType="tmRoot"/>
+      </p:par>
+    </p:tnLst>
+  </p:timing>
 </p:sld>
 </file>
 
@@ -4193,6 +4155,13 @@
   <p:clrMapOvr>
     <a:masterClrMapping/>
   </p:clrMapOvr>
+  <p:timing>
+    <p:tnLst>
+      <p:par>
+        <p:cTn id="1" dur="indefinite" restart="never" nodeType="tmRoot"/>
+      </p:par>
+    </p:tnLst>
+  </p:timing>
 </p:sld>
 </file>
 
@@ -4290,6 +4259,13 @@
   <p:clrMapOvr>
     <a:masterClrMapping/>
   </p:clrMapOvr>
+  <p:timing>
+    <p:tnLst>
+      <p:par>
+        <p:cTn id="1" dur="indefinite" restart="never" nodeType="tmRoot"/>
+      </p:par>
+    </p:tnLst>
+  </p:timing>
 </p:sld>
 </file>
 
@@ -4385,6 +4361,13 @@
   <p:clrMapOvr>
     <a:masterClrMapping/>
   </p:clrMapOvr>
+  <p:timing>
+    <p:tnLst>
+      <p:par>
+        <p:cTn id="1" dur="indefinite" restart="never" nodeType="tmRoot"/>
+      </p:par>
+    </p:tnLst>
+  </p:timing>
 </p:sld>
 </file>
 
@@ -4529,7 +4512,6 @@
               <a:rPr lang="en-US" dirty="0" smtClean="0"/>
               <a:t>), which in turn calls all the sub templates.</a:t>
             </a:r>
-            <a:endParaRPr lang="en-US" dirty="0" smtClean="0"/>
           </a:p>
           <a:p>
             <a:endParaRPr lang="en-US" dirty="0"/>
@@ -4546,6 +4528,13 @@
   <p:clrMapOvr>
     <a:masterClrMapping/>
   </p:clrMapOvr>
+  <p:timing>
+    <p:tnLst>
+      <p:par>
+        <p:cTn id="1" dur="indefinite" restart="never" nodeType="tmRoot"/>
+      </p:par>
+    </p:tnLst>
+  </p:timing>
 </p:sld>
 </file>
 
@@ -5166,7 +5155,7 @@
         <p:spPr>
           <a:xfrm>
             <a:off x="6197601" y="5300174"/>
-            <a:ext cx="4383314" cy="1107996"/>
+            <a:ext cx="4383314" cy="1200329"/>
           </a:xfrm>
           <a:prstGeom prst="rect">
             <a:avLst/>
@@ -5185,12 +5174,16 @@
           <a:p>
             <a:pPr algn="ctr"/>
             <a:r>
-              <a:rPr lang="en-US" b="1" u="sng" dirty="0"/>
+              <a:rPr lang="en-US" b="1" u="sng" dirty="0" smtClean="0"/>
               <a:t>virtual-machine-deployment-</a:t>
             </a:r>
             <a:r>
-              <a:rPr lang="en-US" b="1" u="sng" dirty="0" err="1"/>
-              <a:t>cluster.json</a:t>
+              <a:rPr lang="en-US" b="1" u="sng" dirty="0" err="1" smtClean="0"/>
+              <a:t>singlenode</a:t>
+            </a:r>
+            <a:r>
+              <a:rPr lang="en-US" b="1" u="sng" dirty="0" err="1" smtClean="0"/>
+              <a:t>.json</a:t>
             </a:r>
             <a:endParaRPr lang="en-US" b="1" u="sng" dirty="0"/>
           </a:p>
@@ -5238,31 +5231,12 @@
               <a:buChar char="o"/>
             </a:pPr>
             <a:r>
-              <a:rPr lang="en-US" sz="1200" dirty="0" err="1">
+              <a:rPr lang="en-US" sz="1200" dirty="0" err="1" smtClean="0">
                 <a:solidFill>
                   <a:schemeClr val="accent1"/>
                 </a:solidFill>
               </a:rPr>
               <a:t>virtualMachineFirstNodeConfigExtensionDeployment</a:t>
-            </a:r>
-            <a:endParaRPr lang="en-US" sz="1200" dirty="0">
-              <a:solidFill>
-                <a:schemeClr val="accent1"/>
-              </a:solidFill>
-            </a:endParaRPr>
-          </a:p>
-          <a:p>
-            <a:pPr marL="285750" indent="-285750">
-              <a:buFont typeface="Courier New" charset="0"/>
-              <a:buChar char="o"/>
-            </a:pPr>
-            <a:r>
-              <a:rPr lang="en-US" sz="1200" dirty="0" err="1">
-                <a:solidFill>
-                  <a:schemeClr val="accent6"/>
-                </a:solidFill>
-              </a:rPr>
-              <a:t>virtualMachineAdditionalNodesConfigExtensionDeployment</a:t>
             </a:r>
             <a:endParaRPr lang="en-US" sz="1200" dirty="0">
               <a:solidFill>
@@ -5462,8 +5436,8 @@
         </p:nvCxnSpPr>
         <p:spPr>
           <a:xfrm rot="16200000" flipH="1">
-            <a:off x="5355573" y="5012144"/>
-            <a:ext cx="688514" cy="995541"/>
+            <a:off x="5332490" y="5035227"/>
+            <a:ext cx="734681" cy="995541"/>
           </a:xfrm>
           <a:prstGeom prst="bentConnector2">
             <a:avLst/>
@@ -5497,6 +5471,13 @@
   <p:clrMapOvr>
     <a:masterClrMapping/>
   </p:clrMapOvr>
+  <p:timing>
+    <p:tnLst>
+      <p:par>
+        <p:cTn id="1" dur="indefinite" restart="never" nodeType="tmRoot"/>
+      </p:par>
+    </p:tnLst>
+  </p:timing>
 </p:sld>
 </file>
 
@@ -5782,6 +5763,13 @@
   <p:clrMapOvr>
     <a:masterClrMapping/>
   </p:clrMapOvr>
+  <p:timing>
+    <p:tnLst>
+      <p:par>
+        <p:cTn id="1" dur="indefinite" restart="never" nodeType="tmRoot"/>
+      </p:par>
+    </p:tnLst>
+  </p:timing>
 </p:sld>
 </file>
 
@@ -6341,11 +6329,6 @@
               </a:rPr>
               <a:t>Deploys nothing, but used when user selects to use existing virtual network &amp; subnet</a:t>
             </a:r>
-            <a:endParaRPr lang="en-US" sz="1200" dirty="0" smtClean="0">
-              <a:solidFill>
-                <a:schemeClr val="accent1"/>
-              </a:solidFill>
-            </a:endParaRPr>
           </a:p>
         </p:txBody>
       </p:sp>
@@ -6407,11 +6390,6 @@
               </a:rPr>
               <a:t>Deploys availability set where all the VM’s in the cluster reside</a:t>
             </a:r>
-            <a:endParaRPr lang="en-US" sz="1200" dirty="0" smtClean="0">
-              <a:solidFill>
-                <a:srgbClr val="92D050"/>
-              </a:solidFill>
-            </a:endParaRPr>
           </a:p>
           <a:p>
             <a:endParaRPr lang="en-US" b="1" u="sng" dirty="0">
@@ -6652,6 +6630,13 @@
   <p:clrMapOvr>
     <a:masterClrMapping/>
   </p:clrMapOvr>
+  <p:timing>
+    <p:tnLst>
+      <p:par>
+        <p:cTn id="1" dur="indefinite" restart="never" nodeType="tmRoot"/>
+      </p:par>
+    </p:tnLst>
+  </p:timing>
 </p:sld>
 </file>
 
@@ -6973,6 +6958,13 @@
   <p:clrMapOvr>
     <a:masterClrMapping/>
   </p:clrMapOvr>
+  <p:timing>
+    <p:tnLst>
+      <p:par>
+        <p:cTn id="1" dur="indefinite" restart="never" nodeType="tmRoot"/>
+      </p:par>
+    </p:tnLst>
+  </p:timing>
 </p:sld>
 </file>
 
@@ -7220,11 +7212,7 @@
             <a:pPr algn="ctr"/>
             <a:r>
               <a:rPr lang="en-US" b="1" u="sng" dirty="0" smtClean="0"/>
-              <a:t>network</a:t>
-            </a:r>
-            <a:r>
-              <a:rPr lang="en-US" b="1" u="sng" dirty="0" smtClean="0"/>
-              <a:t>-</a:t>
+              <a:t>network-</a:t>
             </a:r>
             <a:r>
               <a:rPr lang="en-US" b="1" u="sng" dirty="0" err="1" smtClean="0"/>
@@ -7262,15 +7250,7 @@
                   <a:schemeClr val="accent4"/>
                 </a:solidFill>
               </a:rPr>
-              <a:t>externalLoadBalancerPublicIP</a:t>
-            </a:r>
-            <a:r>
-              <a:rPr lang="en-US" sz="1200" dirty="0" err="1" smtClean="0">
-                <a:solidFill>
-                  <a:schemeClr val="accent4"/>
-                </a:solidFill>
-              </a:rPr>
-              <a:t>Deployment</a:t>
+              <a:t>externalLoadBalancerPublicIPDeployment</a:t>
             </a:r>
             <a:endParaRPr lang="en-US" sz="1200" dirty="0" smtClean="0">
               <a:solidFill>
@@ -7374,15 +7354,7 @@
                   <a:schemeClr val="accent2"/>
                 </a:solidFill>
               </a:rPr>
-              <a:t>ublicip-multi</a:t>
-            </a:r>
-            <a:r>
-              <a:rPr lang="en-US" b="1" u="sng" dirty="0" err="1" smtClean="0">
-                <a:solidFill>
-                  <a:schemeClr val="accent2"/>
-                </a:solidFill>
-              </a:rPr>
-              <a:t>.json</a:t>
+              <a:t>ublicip-multi.json</a:t>
             </a:r>
             <a:endParaRPr lang="en-US" u="sng" dirty="0">
               <a:solidFill>
@@ -7401,15 +7373,7 @@
                   <a:schemeClr val="accent2"/>
                 </a:solidFill>
               </a:rPr>
-              <a:t>Deploys </a:t>
-            </a:r>
-            <a:r>
-              <a:rPr lang="en-US" sz="1200" dirty="0" smtClean="0">
-                <a:solidFill>
-                  <a:schemeClr val="accent2"/>
-                </a:solidFill>
-              </a:rPr>
-              <a:t>multiple public IP’s for </a:t>
+              <a:t>Deploys multiple public IP’s for </a:t>
             </a:r>
             <a:r>
               <a:rPr lang="en-US" sz="1200" dirty="0" err="1" smtClean="0">
@@ -7472,15 +7436,7 @@
                   <a:schemeClr val="accent4"/>
                 </a:solidFill>
               </a:rPr>
-              <a:t>ublicip.</a:t>
-            </a:r>
-            <a:r>
-              <a:rPr lang="en-US" b="1" u="sng" dirty="0" err="1" smtClean="0">
-                <a:solidFill>
-                  <a:schemeClr val="accent4"/>
-                </a:solidFill>
-              </a:rPr>
-              <a:t>json</a:t>
+              <a:t>ublicip.json</a:t>
             </a:r>
             <a:endParaRPr lang="en-US" b="1" u="sng" dirty="0" smtClean="0">
               <a:solidFill>
@@ -7546,15 +7502,7 @@
                   <a:schemeClr val="accent1"/>
                 </a:solidFill>
               </a:rPr>
-              <a:t>oadbalancer-external</a:t>
-            </a:r>
-            <a:r>
-              <a:rPr lang="en-US" b="1" u="sng" dirty="0" err="1" smtClean="0">
-                <a:solidFill>
-                  <a:schemeClr val="accent1"/>
-                </a:solidFill>
-              </a:rPr>
-              <a:t>.json</a:t>
+              <a:t>oadbalancer-external.json</a:t>
             </a:r>
             <a:endParaRPr lang="en-US" b="1" u="sng" dirty="0" smtClean="0">
               <a:solidFill>
@@ -7575,11 +7523,6 @@
               </a:rPr>
               <a:t>Deploys external load balancer.</a:t>
             </a:r>
-            <a:endParaRPr lang="en-US" sz="1200" dirty="0" smtClean="0">
-              <a:solidFill>
-                <a:schemeClr val="accent1"/>
-              </a:solidFill>
-            </a:endParaRPr>
           </a:p>
         </p:txBody>
       </p:sp>
@@ -7633,31 +7576,15 @@
                   <a:srgbClr val="92D050"/>
                 </a:solidFill>
               </a:rPr>
-              <a:t>etwork-security</a:t>
-            </a:r>
-            <a:r>
-              <a:rPr lang="en-US" b="1" u="sng" dirty="0" smtClean="0">
+              <a:t>etwork-security-</a:t>
+            </a:r>
+            <a:r>
+              <a:rPr lang="en-US" b="1" u="sng" dirty="0" err="1" smtClean="0">
                 <a:solidFill>
                   <a:srgbClr val="92D050"/>
                 </a:solidFill>
               </a:rPr>
-              <a:t>-</a:t>
-            </a:r>
-            <a:r>
-              <a:rPr lang="en-US" b="1" u="sng" dirty="0" err="1" smtClean="0">
-                <a:solidFill>
-                  <a:srgbClr val="92D050"/>
-                </a:solidFill>
-              </a:rPr>
-              <a:t>group</a:t>
-            </a:r>
-            <a:r>
-              <a:rPr lang="en-US" b="1" u="sng" dirty="0" err="1" smtClean="0">
-                <a:solidFill>
-                  <a:srgbClr val="92D050"/>
-                </a:solidFill>
-              </a:rPr>
-              <a:t>.json</a:t>
+              <a:t>group.json</a:t>
             </a:r>
             <a:endParaRPr lang="en-US" b="1" u="sng" dirty="0" smtClean="0">
               <a:solidFill>
@@ -7694,11 +7621,6 @@
               </a:rPr>
               <a:t>roup</a:t>
             </a:r>
-            <a:endParaRPr lang="en-US" sz="1200" dirty="0" smtClean="0">
-              <a:solidFill>
-                <a:srgbClr val="92D050"/>
-              </a:solidFill>
-            </a:endParaRPr>
           </a:p>
         </p:txBody>
       </p:sp>
@@ -7739,15 +7661,7 @@
                   <a:schemeClr val="accent4"/>
                 </a:solidFill>
               </a:rPr>
-              <a:t>ublicip-empty.</a:t>
-            </a:r>
-            <a:r>
-              <a:rPr lang="en-US" b="1" u="sng" dirty="0" err="1" smtClean="0">
-                <a:solidFill>
-                  <a:schemeClr val="accent4"/>
-                </a:solidFill>
-              </a:rPr>
-              <a:t>json</a:t>
+              <a:t>ublicip-empty.json</a:t>
             </a:r>
             <a:endParaRPr lang="en-US" b="1" u="sng" dirty="0" smtClean="0">
               <a:solidFill>
@@ -7865,15 +7779,7 @@
                   <a:schemeClr val="accent1"/>
                 </a:solidFill>
               </a:rPr>
-              <a:t>oadbalancer-internal.</a:t>
-            </a:r>
-            <a:r>
-              <a:rPr lang="en-US" b="1" u="sng" dirty="0" err="1" smtClean="0">
-                <a:solidFill>
-                  <a:schemeClr val="accent1"/>
-                </a:solidFill>
-              </a:rPr>
-              <a:t>json</a:t>
+              <a:t>oadbalancer-internal.json</a:t>
             </a:r>
             <a:endParaRPr lang="en-US" b="1" u="sng" dirty="0" smtClean="0">
               <a:solidFill>
@@ -7989,15 +7895,7 @@
                   <a:srgbClr val="C00000"/>
                 </a:solidFill>
               </a:rPr>
-              <a:t>multi.</a:t>
-            </a:r>
-            <a:r>
-              <a:rPr lang="en-US" b="1" u="sng" dirty="0" err="1" smtClean="0">
-                <a:solidFill>
-                  <a:srgbClr val="C00000"/>
-                </a:solidFill>
-              </a:rPr>
-              <a:t>json</a:t>
+              <a:t>multi.json</a:t>
             </a:r>
             <a:endParaRPr lang="en-US" b="1" u="sng" dirty="0" smtClean="0">
               <a:solidFill>
@@ -8482,6 +8380,13 @@
   <p:clrMapOvr>
     <a:masterClrMapping/>
   </p:clrMapOvr>
+  <p:timing>
+    <p:tnLst>
+      <p:par>
+        <p:cTn id="1" dur="indefinite" restart="never" nodeType="tmRoot"/>
+      </p:par>
+    </p:tnLst>
+  </p:timing>
 </p:sld>
 </file>
 
@@ -8699,6 +8604,13 @@
   <p:clrMapOvr>
     <a:masterClrMapping/>
   </p:clrMapOvr>
+  <p:timing>
+    <p:tnLst>
+      <p:par>
+        <p:cTn id="1" dur="indefinite" restart="never" nodeType="tmRoot"/>
+      </p:par>
+    </p:tnLst>
+  </p:timing>
 </p:sld>
 </file>
 
@@ -8874,19 +8786,11 @@
             <a:pPr algn="ctr"/>
             <a:r>
               <a:rPr lang="en-US" b="1" u="sng" dirty="0" smtClean="0"/>
-              <a:t>virtual-</a:t>
-            </a:r>
-            <a:r>
-              <a:rPr lang="en-US" b="1" u="sng" dirty="0" smtClean="0"/>
-              <a:t>machine-deployment-</a:t>
+              <a:t>virtual-machine-deployment-</a:t>
             </a:r>
             <a:r>
               <a:rPr lang="en-US" b="1" u="sng" dirty="0" err="1" smtClean="0"/>
-              <a:t>cluster</a:t>
-            </a:r>
-            <a:r>
-              <a:rPr lang="en-US" b="1" u="sng" dirty="0" err="1" smtClean="0"/>
-              <a:t>.json</a:t>
+              <a:t>cluster.json</a:t>
             </a:r>
             <a:endParaRPr lang="en-US" b="1" u="sng" dirty="0" smtClean="0"/>
           </a:p>
@@ -9032,15 +8936,7 @@
                   <a:schemeClr val="accent2"/>
                 </a:solidFill>
               </a:rPr>
-              <a:t>Deploys </a:t>
-            </a:r>
-            <a:r>
-              <a:rPr lang="en-US" sz="1200" dirty="0" smtClean="0">
-                <a:solidFill>
-                  <a:schemeClr val="accent2"/>
-                </a:solidFill>
-              </a:rPr>
-              <a:t>multiple VM’s with password as authentication</a:t>
+              <a:t>Deploys multiple VM’s with password as authentication</a:t>
             </a:r>
             <a:endParaRPr lang="en-US" sz="1200" dirty="0">
               <a:solidFill>
@@ -9095,15 +8991,7 @@
                   <a:schemeClr val="accent2"/>
                 </a:solidFill>
               </a:rPr>
-              <a:t>sshkey.</a:t>
-            </a:r>
-            <a:r>
-              <a:rPr lang="en-US" b="1" u="sng" dirty="0" err="1" smtClean="0">
-                <a:solidFill>
-                  <a:schemeClr val="accent2"/>
-                </a:solidFill>
-              </a:rPr>
-              <a:t>json</a:t>
+              <a:t>sshkey.json</a:t>
             </a:r>
             <a:endParaRPr lang="en-US" b="1" u="sng" dirty="0" smtClean="0">
               <a:solidFill>
@@ -9230,11 +9118,6 @@
               </a:rPr>
               <a:t> extension on master node (ml0)</a:t>
             </a:r>
-            <a:endParaRPr lang="en-US" sz="1200" dirty="0" smtClean="0">
-              <a:solidFill>
-                <a:schemeClr val="accent1"/>
-              </a:solidFill>
-            </a:endParaRPr>
           </a:p>
         </p:txBody>
       </p:sp>
@@ -9288,21 +9171,8 @@
                   <a:schemeClr val="accent4"/>
                 </a:solidFill>
               </a:rPr>
-              <a:t>xtension-multi-index-0.</a:t>
-            </a:r>
-            <a:r>
-              <a:rPr lang="en-US" b="1" u="sng" dirty="0" smtClean="0">
-                <a:solidFill>
-                  <a:schemeClr val="accent4"/>
-                </a:solidFill>
-              </a:rPr>
-              <a:t>json</a:t>
-            </a:r>
-            <a:endParaRPr lang="en-US" b="1" u="sng" dirty="0" smtClean="0">
-              <a:solidFill>
-                <a:schemeClr val="accent4"/>
-              </a:solidFill>
-            </a:endParaRPr>
+              <a:t>xtension-multi-index-0.json</a:t>
+            </a:r>
           </a:p>
           <a:p>
             <a:pPr marL="285750" indent="-285750">
@@ -9375,21 +9245,8 @@
                   <a:schemeClr val="accent6"/>
                 </a:solidFill>
               </a:rPr>
-              <a:t>xtension-multi-index-1.</a:t>
-            </a:r>
-            <a:r>
-              <a:rPr lang="en-US" b="1" u="sng" dirty="0" smtClean="0">
-                <a:solidFill>
-                  <a:schemeClr val="accent6"/>
-                </a:solidFill>
-              </a:rPr>
-              <a:t>json</a:t>
-            </a:r>
-            <a:endParaRPr lang="en-US" b="1" u="sng" dirty="0" smtClean="0">
-              <a:solidFill>
-                <a:schemeClr val="accent6"/>
-              </a:solidFill>
-            </a:endParaRPr>
+              <a:t>xtension-multi-index-1.json</a:t>
+            </a:r>
           </a:p>
           <a:p>
             <a:pPr marL="285750" indent="-285750">
@@ -9587,11 +9444,6 @@
               </a:rPr>
               <a:t>Data disk mount script</a:t>
             </a:r>
-            <a:endParaRPr lang="en-US" sz="1200" dirty="0" smtClean="0">
-              <a:solidFill>
-                <a:schemeClr val="accent4"/>
-              </a:solidFill>
-            </a:endParaRPr>
           </a:p>
         </p:txBody>
       </p:sp>
@@ -9690,11 +9542,6 @@
               </a:rPr>
               <a:t> script on master node (ml0)</a:t>
             </a:r>
-            <a:endParaRPr lang="en-US" sz="1200" dirty="0" smtClean="0">
-              <a:solidFill>
-                <a:schemeClr val="accent1"/>
-              </a:solidFill>
-            </a:endParaRPr>
           </a:p>
         </p:txBody>
       </p:sp>
@@ -9785,11 +9632,6 @@
               </a:rPr>
               <a:t> script</a:t>
             </a:r>
-            <a:endParaRPr lang="en-US" sz="1200" dirty="0" smtClean="0">
-              <a:solidFill>
-                <a:schemeClr val="accent6"/>
-              </a:solidFill>
-            </a:endParaRPr>
           </a:p>
         </p:txBody>
       </p:sp>
@@ -10129,6 +9971,13 @@
   <p:clrMapOvr>
     <a:masterClrMapping/>
   </p:clrMapOvr>
+  <p:timing>
+    <p:tnLst>
+      <p:par>
+        <p:cTn id="1" dur="indefinite" restart="never" nodeType="tmRoot"/>
+      </p:par>
+    </p:tnLst>
+  </p:timing>
 </p:sld>
 </file>
 
